--- a/Data/SQL Database/Slides/Azure SQL Database.pptx
+++ b/Data/SQL Database/Slides/Azure SQL Database.pptx
@@ -15,9 +15,9 @@
     <p:sldId id="303" r:id="rId6"/>
     <p:sldId id="304" r:id="rId7"/>
     <p:sldId id="327" r:id="rId8"/>
-    <p:sldId id="329" r:id="rId9"/>
-    <p:sldId id="328" r:id="rId10"/>
-    <p:sldId id="318" r:id="rId11"/>
+    <p:sldId id="328" r:id="rId9"/>
+    <p:sldId id="318" r:id="rId10"/>
+    <p:sldId id="331" r:id="rId11"/>
     <p:sldId id="330" r:id="rId12"/>
   </p:sldIdLst>
   <p:sldSz cx="12192000" cy="6858000"/>
@@ -218,7 +218,7 @@
           <a:p>
             <a:fld id="{49B60EF2-7028-489F-85D8-FE86CD7CF2A0}" type="datetimeFigureOut">
               <a:rPr lang="en-US" smtClean="0"/>
-              <a:t>4/1/2017</a:t>
+              <a:t>4/2/2017</a:t>
             </a:fld>
             <a:endParaRPr lang="en-US"/>
           </a:p>
@@ -1290,32 +1290,20 @@
           <a:lstStyle/>
           <a:p>
             <a:r>
+              <a:rPr lang="en-US" dirty="0"/>
+              <a:t>Before the</a:t>
+            </a:r>
+            <a:r>
               <a:rPr lang="en-US" baseline="0" dirty="0"/>
-              <a:t>Integration of temporal tables can be totally managed via the portal</a:t>
+              <a:t> Database Advisor can make recommendations it</a:t>
             </a:r>
             <a:r>
               <a:rPr lang="en-US" dirty="0"/>
-              <a:t> without writing any code,</a:t>
+              <a:t> needs to have about a day of usage with reasonable.</a:t>
             </a:r>
             <a:r>
               <a:rPr lang="en-US" baseline="0" dirty="0"/>
-              <a:t> or enhanced and integrated via scripts and code.</a:t>
-            </a:r>
-            <a:r>
-              <a:rPr lang="en-US" dirty="0"/>
-              <a:t> Temporal Tables makes it easy to connect data to a “time context” so that stored records can be evaluated within specific time period.</a:t>
-            </a:r>
-            <a:r>
-              <a:rPr lang="en-US" baseline="0" dirty="0"/>
-              <a:t> This makes it easier to manage “moving” and constantly updated records, epically data aggregations, where a query can be run to show information since or “between. Since temporal tables are “</a:t>
-            </a:r>
-            <a:r>
-              <a:rPr lang="en-US" dirty="0"/>
-              <a:t>system-versioned “, the system history table is typically larger than regular tables. A large history table can</a:t>
-            </a:r>
-            <a:r>
-              <a:rPr lang="en-US" baseline="0" dirty="0"/>
-              <a:t> pose issues to cost and performance over time, so Azure SQL also exposes retention policy features, just like in a document management system to clear out history based on specific criteria. Creation and management of Temporal Tables is even integrated into Visual Studio via SQL Server Data Tools.</a:t>
+              <a:t> If recommendations cannot be made, the Performance Recommendations page will typically provide a message to administrators with an explanation.</a:t>
             </a:r>
             <a:endParaRPr lang="en-US" dirty="0"/>
           </a:p>
@@ -1347,7 +1335,7 @@
     </p:spTree>
     <p:extLst>
       <p:ext uri="{BB962C8B-B14F-4D97-AF65-F5344CB8AC3E}">
-        <p14:creationId xmlns:p14="http://schemas.microsoft.com/office/powerpoint/2010/main" val="3215607972"/>
+        <p14:creationId xmlns:p14="http://schemas.microsoft.com/office/powerpoint/2010/main" val="421633174"/>
       </p:ext>
     </p:extLst>
   </p:cSld>
@@ -1403,21 +1391,49 @@
           <a:p>
             <a:r>
               <a:rPr lang="en-US" dirty="0"/>
-              <a:t>Before the</a:t>
+              <a:t>Creating</a:t>
             </a:r>
             <a:r>
               <a:rPr lang="en-US" baseline="0" dirty="0"/>
-              <a:t> Database Advisor can make recommendations it</a:t>
+              <a:t> </a:t>
             </a:r>
             <a:r>
               <a:rPr lang="en-US" dirty="0"/>
-              <a:t> needs to have about a day of usage with reasonable.</a:t>
+              <a:t>logical connection between different data sources</a:t>
             </a:r>
             <a:r>
               <a:rPr lang="en-US" baseline="0" dirty="0"/>
-              <a:t> If recommendations cannot be made, the Performance Recommendations page will typically provide a message to administrators with an explanation.</a:t>
-            </a:r>
-            <a:endParaRPr lang="en-US" dirty="0"/>
+              <a:t> leverages the concept of relationships</a:t>
+            </a:r>
+            <a:r>
+              <a:rPr lang="en-US" dirty="0"/>
+              <a:t>. A relationship enables Power BI to comprehend how tables and data structures relate to each another to ultimately design</a:t>
+            </a:r>
+            <a:r>
+              <a:rPr lang="en-US" baseline="0" dirty="0"/>
+              <a:t> and </a:t>
+            </a:r>
+            <a:r>
+              <a:rPr lang="en-US" dirty="0"/>
+              <a:t>create compelling visuals and reports. The processes of managing</a:t>
+            </a:r>
+            <a:r>
+              <a:rPr lang="en-US" baseline="0" dirty="0"/>
+              <a:t> and adjusting these relationships across data sources is referred to as </a:t>
+            </a:r>
+            <a:r>
+              <a:rPr lang="en-US" b="0" baseline="0" dirty="0"/>
+              <a:t>modeling, and uses the concepts of Measures, Calculated Columns, and even Calculated Tables (similar to the old fashioned notion of views.)</a:t>
+            </a:r>
+            <a:endParaRPr lang="en-US" sz="1200" kern="1200" dirty="0">
+              <a:solidFill>
+                <a:schemeClr val="tx1"/>
+              </a:solidFill>
+              <a:effectLst/>
+              <a:latin typeface="+mn-lt"/>
+              <a:ea typeface="+mn-ea"/>
+              <a:cs typeface="+mn-cs"/>
+            </a:endParaRPr>
           </a:p>
         </p:txBody>
       </p:sp>
@@ -1447,7 +1463,7 @@
     </p:spTree>
     <p:extLst>
       <p:ext uri="{BB962C8B-B14F-4D97-AF65-F5344CB8AC3E}">
-        <p14:creationId xmlns:p14="http://schemas.microsoft.com/office/powerpoint/2010/main" val="421633174"/>
+        <p14:creationId xmlns:p14="http://schemas.microsoft.com/office/powerpoint/2010/main" val="1118324110"/>
       </p:ext>
     </p:extLst>
   </p:cSld>
@@ -1503,49 +1519,8 @@
           <a:p>
             <a:r>
               <a:rPr lang="en-US" dirty="0"/>
-              <a:t>Creating</a:t>
-            </a:r>
-            <a:r>
-              <a:rPr lang="en-US" baseline="0" dirty="0"/>
-              <a:t> </a:t>
-            </a:r>
-            <a:r>
-              <a:rPr lang="en-US" dirty="0"/>
-              <a:t>logical connection between different data sources</a:t>
-            </a:r>
-            <a:r>
-              <a:rPr lang="en-US" baseline="0" dirty="0"/>
-              <a:t> leverages the concept of relationships</a:t>
-            </a:r>
-            <a:r>
-              <a:rPr lang="en-US" dirty="0"/>
-              <a:t>. A relationship enables Power BI to comprehend how tables and data structures relate to each another to ultimately design</a:t>
-            </a:r>
-            <a:r>
-              <a:rPr lang="en-US" baseline="0" dirty="0"/>
-              <a:t> and </a:t>
-            </a:r>
-            <a:r>
-              <a:rPr lang="en-US" dirty="0"/>
-              <a:t>create compelling visuals and reports. The processes of managing</a:t>
-            </a:r>
-            <a:r>
-              <a:rPr lang="en-US" baseline="0" dirty="0"/>
-              <a:t> and adjusting these relationships across data sources is referred to as </a:t>
-            </a:r>
-            <a:r>
-              <a:rPr lang="en-US" b="0" baseline="0" dirty="0"/>
-              <a:t>modeling, and uses the concepts of Measures, Calculated Columns, and even Calculated Tables (similar to the old fashioned notion of views.)</a:t>
-            </a:r>
-            <a:endParaRPr lang="en-US" sz="1200" kern="1200" dirty="0">
-              <a:solidFill>
-                <a:schemeClr val="tx1"/>
-              </a:solidFill>
-              <a:effectLst/>
-              <a:latin typeface="+mn-lt"/>
-              <a:ea typeface="+mn-ea"/>
-              <a:cs typeface="+mn-cs"/>
-            </a:endParaRPr>
+              <a:t>Dynamic data masking helps prevent unauthorized access to sensitive data by enabling customers to designate how much of the sensitive data to reveal with minimal impact on the application layer. DDM is a policy-based security feature that hides the sensitive data in the result set of a query over designated database fields, while the data in the database is not changed. For example, a service representative at a call center may identify callers by a few digits of their social security number or credit card number, but those data items should not be fully exposed to the service representative. Masking rules can be defined that masks all but the last four digits of any social security number or credit card number in the result set of any query.  </a:t>
+            </a:r>
           </a:p>
         </p:txBody>
       </p:sp>
@@ -1575,7 +1550,7 @@
     </p:spTree>
     <p:extLst>
       <p:ext uri="{BB962C8B-B14F-4D97-AF65-F5344CB8AC3E}">
-        <p14:creationId xmlns:p14="http://schemas.microsoft.com/office/powerpoint/2010/main" val="1118324110"/>
+        <p14:creationId xmlns:p14="http://schemas.microsoft.com/office/powerpoint/2010/main" val="440555015"/>
       </p:ext>
     </p:extLst>
   </p:cSld>
@@ -1732,7 +1707,7 @@
           <a:p>
             <a:fld id="{0459C166-16D3-4A25-A2F8-C51E0E346B22}" type="datetimeFigureOut">
               <a:rPr lang="en-US" smtClean="0"/>
-              <a:t>4/1/2017</a:t>
+              <a:t>4/2/2017</a:t>
             </a:fld>
             <a:endParaRPr lang="en-US"/>
           </a:p>
@@ -1827,7 +1802,7 @@
           <a:p>
             <a:fld id="{0459C166-16D3-4A25-A2F8-C51E0E346B22}" type="datetimeFigureOut">
               <a:rPr lang="en-US" smtClean="0"/>
-              <a:t>4/1/2017</a:t>
+              <a:t>4/2/2017</a:t>
             </a:fld>
             <a:endParaRPr lang="en-US"/>
           </a:p>
@@ -2102,7 +2077,7 @@
           <a:p>
             <a:fld id="{0459C166-16D3-4A25-A2F8-C51E0E346B22}" type="datetimeFigureOut">
               <a:rPr lang="en-US" smtClean="0"/>
-              <a:t>4/1/2017</a:t>
+              <a:t>4/2/2017</a:t>
             </a:fld>
             <a:endParaRPr lang="en-US"/>
           </a:p>
@@ -2354,7 +2329,7 @@
           <a:p>
             <a:fld id="{0459C166-16D3-4A25-A2F8-C51E0E346B22}" type="datetimeFigureOut">
               <a:rPr lang="en-US" smtClean="0"/>
-              <a:t>4/1/2017</a:t>
+              <a:t>4/2/2017</a:t>
             </a:fld>
             <a:endParaRPr lang="en-US"/>
           </a:p>
@@ -2522,7 +2497,7 @@
           <a:p>
             <a:fld id="{0459C166-16D3-4A25-A2F8-C51E0E346B22}" type="datetimeFigureOut">
               <a:rPr lang="en-US" smtClean="0"/>
-              <a:t>4/1/2017</a:t>
+              <a:t>4/2/2017</a:t>
             </a:fld>
             <a:endParaRPr lang="en-US"/>
           </a:p>
@@ -2700,7 +2675,7 @@
           <a:p>
             <a:fld id="{0459C166-16D3-4A25-A2F8-C51E0E346B22}" type="datetimeFigureOut">
               <a:rPr lang="en-US" smtClean="0"/>
-              <a:t>4/1/2017</a:t>
+              <a:t>4/2/2017</a:t>
             </a:fld>
             <a:endParaRPr lang="en-US"/>
           </a:p>
@@ -4605,7 +4580,7 @@
           <a:p>
             <a:fld id="{0459C166-16D3-4A25-A2F8-C51E0E346B22}" type="datetimeFigureOut">
               <a:rPr lang="en-US" smtClean="0"/>
-              <a:t>4/1/2017</a:t>
+              <a:t>4/2/2017</a:t>
             </a:fld>
             <a:endParaRPr lang="en-US"/>
           </a:p>
@@ -10169,7 +10144,7 @@
             <a:fld id="{0459C166-16D3-4A25-A2F8-C51E0E346B22}" type="datetimeFigureOut">
               <a:rPr lang="en-US" smtClean="0"/>
               <a:pPr/>
-              <a:t>4/1/2017</a:t>
+              <a:t>4/2/2017</a:t>
             </a:fld>
             <a:endParaRPr lang="en-US"/>
           </a:p>
@@ -14090,7 +14065,7 @@
           <a:p>
             <a:fld id="{0459C166-16D3-4A25-A2F8-C51E0E346B22}" type="datetimeFigureOut">
               <a:rPr lang="en-US" smtClean="0"/>
-              <a:t>4/1/2017</a:t>
+              <a:t>4/2/2017</a:t>
             </a:fld>
             <a:endParaRPr lang="en-US"/>
           </a:p>
@@ -14454,7 +14429,7 @@
           <a:p>
             <a:fld id="{0459C166-16D3-4A25-A2F8-C51E0E346B22}" type="datetimeFigureOut">
               <a:rPr lang="en-US" smtClean="0"/>
-              <a:t>4/1/2017</a:t>
+              <a:t>4/2/2017</a:t>
             </a:fld>
             <a:endParaRPr lang="en-US"/>
           </a:p>
@@ -14571,7 +14546,7 @@
           <a:p>
             <a:fld id="{0459C166-16D3-4A25-A2F8-C51E0E346B22}" type="datetimeFigureOut">
               <a:rPr lang="en-US" smtClean="0"/>
-              <a:t>4/1/2017</a:t>
+              <a:t>4/2/2017</a:t>
             </a:fld>
             <a:endParaRPr lang="en-US"/>
           </a:p>
@@ -14782,7 +14757,7 @@
           <a:p>
             <a:fld id="{0459C166-16D3-4A25-A2F8-C51E0E346B22}" type="datetimeFigureOut">
               <a:rPr lang="en-US" smtClean="0"/>
-              <a:t>4/1/2017</a:t>
+              <a:t>4/2/2017</a:t>
             </a:fld>
             <a:endParaRPr lang="en-US"/>
           </a:p>
@@ -16068,13 +16043,8 @@
           <a:p>
             <a:r>
               <a:rPr lang="en-US" dirty="0"/>
-              <a:t>Azure </a:t>
-            </a:r>
-            <a:r>
-              <a:rPr lang="en-US" dirty="0" smtClean="0"/>
-              <a:t>SQL Database</a:t>
-            </a:r>
-            <a:endParaRPr lang="en-US" dirty="0"/>
+              <a:t>Azure SQL Database</a:t>
+            </a:r>
           </a:p>
         </p:txBody>
       </p:sp>
@@ -16125,13 +16095,6 @@
   <p:clrMapOvr>
     <a:masterClrMapping/>
   </p:clrMapOvr>
-  <p:timing>
-    <p:tnLst>
-      <p:par>
-        <p:cTn id="1" dur="indefinite" restart="never" nodeType="tmRoot"/>
-      </p:par>
-    </p:tnLst>
-  </p:timing>
 </p:sld>
 </file>
 
@@ -16178,10 +16141,9 @@
               <a:buNone/>
             </a:pPr>
             <a:r>
-              <a:rPr lang="en-GB" sz="6000" dirty="0" smtClean="0"/>
+              <a:rPr lang="en-GB" sz="6000" dirty="0"/>
               <a:t>Demo</a:t>
             </a:r>
-            <a:endParaRPr lang="en-GB" sz="6000" dirty="0"/>
           </a:p>
         </p:txBody>
       </p:sp>
@@ -16255,13 +16217,6 @@
   <p:clrMapOvr>
     <a:masterClrMapping/>
   </p:clrMapOvr>
-  <p:timing>
-    <p:tnLst>
-      <p:par>
-        <p:cTn id="1" dur="indefinite" restart="never" nodeType="tmRoot"/>
-      </p:par>
-    </p:tnLst>
-  </p:timing>
 </p:sld>
 </file>
 
@@ -16349,13 +16304,8 @@
           <a:p>
             <a:r>
               <a:rPr lang="en-US" dirty="0"/>
-              <a:t>Azure </a:t>
-            </a:r>
-            <a:r>
-              <a:rPr lang="en-US" dirty="0" smtClean="0"/>
-              <a:t>SQL Database</a:t>
-            </a:r>
-            <a:endParaRPr lang="en-US" dirty="0"/>
+              <a:t>Azure SQL Database</a:t>
+            </a:r>
           </a:p>
         </p:txBody>
       </p:sp>
@@ -16386,31 +16336,7 @@
             </a:pPr>
             <a:r>
               <a:rPr lang="en-US" sz="2400" dirty="0"/>
-              <a:t>Azure SQL </a:t>
-            </a:r>
-            <a:r>
-              <a:rPr lang="en-US" sz="2400" dirty="0" smtClean="0"/>
-              <a:t>Database is </a:t>
-            </a:r>
-            <a:r>
-              <a:rPr lang="en-US" sz="2400" dirty="0"/>
-              <a:t>a </a:t>
-            </a:r>
-            <a:r>
-              <a:rPr lang="en-US" sz="2400" dirty="0" smtClean="0"/>
-              <a:t>cloud-based relational </a:t>
-            </a:r>
-            <a:r>
-              <a:rPr lang="en-US" sz="2400" dirty="0"/>
-              <a:t>database service, built on the  Microsoft SQL Server engine designed to deliver predictable performance and scalability, with </a:t>
-            </a:r>
-            <a:r>
-              <a:rPr lang="en-US" sz="2400" dirty="0" smtClean="0"/>
-              <a:t>virtually no </a:t>
-            </a:r>
-            <a:r>
-              <a:rPr lang="en-US" sz="2400" dirty="0"/>
-              <a:t>downtime and near-zero administration.</a:t>
+              <a:t>Azure SQL Database is a cloud-based relational database service, built on the  Microsoft SQL Server engine designed to deliver predictable performance and scalability, with virtually no downtime and near-zero administration.</a:t>
             </a:r>
           </a:p>
         </p:txBody>
@@ -16786,21 +16712,8 @@
                   <a:schemeClr val="bg1"/>
                 </a:solidFill>
               </a:rPr>
-              <a:t>Azure </a:t>
-            </a:r>
-            <a:r>
-              <a:rPr lang="en-US" sz="2800" dirty="0" smtClean="0">
-                <a:solidFill>
-                  <a:schemeClr val="bg1"/>
-                </a:solidFill>
-              </a:rPr>
-              <a:t>SQL Database</a:t>
-            </a:r>
-            <a:endParaRPr lang="en-US" sz="2800" dirty="0">
-              <a:solidFill>
-                <a:schemeClr val="bg1"/>
-              </a:solidFill>
-            </a:endParaRPr>
+              <a:t>Azure SQL Database</a:t>
+            </a:r>
           </a:p>
         </p:txBody>
       </p:sp>
@@ -16870,19 +16783,7 @@
             </a:pPr>
             <a:r>
               <a:rPr lang="en-US" sz="2000" dirty="0"/>
-              <a:t>You’re building new cloud-based applications to take advantage of </a:t>
-            </a:r>
-            <a:r>
-              <a:rPr lang="en-US" sz="2000" dirty="0" smtClean="0"/>
-              <a:t>cost </a:t>
-            </a:r>
-            <a:r>
-              <a:rPr lang="en-US" sz="2000" dirty="0"/>
-              <a:t>savings and performance</a:t>
-            </a:r>
-            <a:r>
-              <a:rPr lang="en-US" sz="2000" dirty="0" smtClean="0"/>
-              <a:t>.</a:t>
+              <a:t>You’re building new cloud-based applications to take advantage of cost savings and performance.</a:t>
             </a:r>
           </a:p>
           <a:p>
@@ -16895,7 +16796,7 @@
               <a:buChar char="•"/>
             </a:pPr>
             <a:r>
-              <a:rPr lang="en-US" sz="2000" dirty="0" smtClean="0"/>
+              <a:rPr lang="en-US" sz="2000" dirty="0"/>
               <a:t>You need instant scalability.</a:t>
             </a:r>
           </a:p>
@@ -16909,10 +16810,9 @@
               <a:buChar char="•"/>
             </a:pPr>
             <a:r>
-              <a:rPr lang="en-US" sz="2000" dirty="0" smtClean="0"/>
+              <a:rPr lang="en-US" sz="2000" dirty="0"/>
               <a:t>You want databases replicated in different regions of the world for backup.</a:t>
             </a:r>
-            <a:endParaRPr lang="en-US" sz="2000" dirty="0"/>
           </a:p>
           <a:p>
             <a:pPr marL="231775" indent="-231775">
@@ -16925,11 +16825,7 @@
             </a:pPr>
             <a:r>
               <a:rPr lang="en-US" sz="2000" dirty="0"/>
-              <a:t>You want Microsoft to handle common management </a:t>
-            </a:r>
-            <a:r>
-              <a:rPr lang="en-US" sz="2000" dirty="0" smtClean="0"/>
-              <a:t>operations.</a:t>
+              <a:t>You want Microsoft to handle common management operations.</a:t>
             </a:r>
             <a:endParaRPr lang="en-US" sz="2000" spc="-200" dirty="0">
               <a:solidFill>
@@ -17380,13 +17276,8 @@
           <a:p>
             <a:r>
               <a:rPr lang="en-US" dirty="0"/>
-              <a:t>Azure SQL </a:t>
-            </a:r>
-            <a:r>
-              <a:rPr lang="en-US" dirty="0" smtClean="0"/>
-              <a:t>Database Development</a:t>
-            </a:r>
-            <a:endParaRPr lang="en-US" dirty="0"/>
+              <a:t>Azure SQL Database Development</a:t>
+            </a:r>
           </a:p>
         </p:txBody>
       </p:sp>
@@ -18012,23 +17903,7 @@
             </a:pPr>
             <a:r>
               <a:rPr lang="en-US" dirty="0"/>
-              <a:t>In almost every case, working with Azure SQL </a:t>
-            </a:r>
-            <a:r>
-              <a:rPr lang="en-US" dirty="0" smtClean="0"/>
-              <a:t>Database data </a:t>
-            </a:r>
-            <a:r>
-              <a:rPr lang="en-US" dirty="0"/>
-              <a:t>is exactly the same </a:t>
-            </a:r>
-            <a:r>
-              <a:rPr lang="en-US" dirty="0" smtClean="0"/>
-              <a:t>as </a:t>
-            </a:r>
-            <a:r>
-              <a:rPr lang="en-US" dirty="0"/>
-              <a:t>working with SQL Server data.</a:t>
+              <a:t>In almost every case, working with Azure SQL Database data is exactly the same as working with SQL Server data.</a:t>
             </a:r>
           </a:p>
         </p:txBody>
@@ -18639,15 +18514,7 @@
             </a:pPr>
             <a:r>
               <a:rPr lang="en-US" sz="2400" dirty="0"/>
-              <a:t>Every Azure SQL </a:t>
-            </a:r>
-            <a:r>
-              <a:rPr lang="en-US" sz="2400" dirty="0" smtClean="0"/>
-              <a:t>Database task</a:t>
-            </a:r>
-            <a:r>
-              <a:rPr lang="en-US" sz="2400" dirty="0"/>
-              <a:t>, script, method, function and process can be created and managed in Visual Studio 2015 using SQL Server Data Tools for Visual Studio 2015. This includes managing permissions, masks, and encryption.</a:t>
+              <a:t>Every Azure SQL Database task, script, method, function and process can be created and managed in Visual Studio 2015 using SQL Server Data Tools for Visual Studio 2015. This includes managing permissions, masks, and encryption.</a:t>
             </a:r>
           </a:p>
         </p:txBody>
@@ -18907,303 +18774,6 @@
           <a:p>
             <a:r>
               <a:rPr lang="en-US" dirty="0"/>
-              <a:t>Temporal Tables</a:t>
-            </a:r>
-          </a:p>
-        </p:txBody>
-      </p:sp>
-      <p:sp>
-        <p:nvSpPr>
-          <p:cNvPr id="3" name="Content Placeholder 2"/>
-          <p:cNvSpPr>
-            <a:spLocks noGrp="1"/>
-          </p:cNvSpPr>
-          <p:nvPr>
-            <p:ph idx="1"/>
-          </p:nvPr>
-        </p:nvSpPr>
-        <p:spPr>
-          <a:xfrm>
-            <a:off x="838200" y="1825624"/>
-            <a:ext cx="4738635" cy="4408027"/>
-          </a:xfrm>
-        </p:spPr>
-        <p:txBody>
-          <a:bodyPr>
-            <a:normAutofit/>
-          </a:bodyPr>
-          <a:lstStyle/>
-          <a:p>
-            <a:pPr marL="0" indent="0">
-              <a:buNone/>
-            </a:pPr>
-            <a:r>
-              <a:rPr lang="en-US" sz="2400" dirty="0"/>
-              <a:t>Temporal Tables provide administrators and developers the ability to track and analyze historical changes in data, similar to concepts of versioning, and even allow retention polices, similar to a document management system.</a:t>
-            </a:r>
-          </a:p>
-        </p:txBody>
-      </p:sp>
-      <p:pic>
-        <p:nvPicPr>
-          <p:cNvPr id="6" name="Picture 5"/>
-          <p:cNvPicPr>
-            <a:picLocks noChangeAspect="1"/>
-          </p:cNvPicPr>
-          <p:nvPr/>
-        </p:nvPicPr>
-        <p:blipFill>
-          <a:blip r:embed="rId3"/>
-          <a:stretch>
-            <a:fillRect/>
-          </a:stretch>
-        </p:blipFill>
-        <p:spPr>
-          <a:xfrm>
-            <a:off x="6112863" y="1825625"/>
-            <a:ext cx="4018447" cy="3278004"/>
-          </a:xfrm>
-          <a:prstGeom prst="rect">
-            <a:avLst/>
-          </a:prstGeom>
-          <a:ln>
-            <a:solidFill>
-              <a:schemeClr val="accent1"/>
-            </a:solidFill>
-          </a:ln>
-        </p:spPr>
-      </p:pic>
-      <p:pic>
-        <p:nvPicPr>
-          <p:cNvPr id="5" name="Picture 4"/>
-          <p:cNvPicPr>
-            <a:picLocks noChangeAspect="1"/>
-          </p:cNvPicPr>
-          <p:nvPr/>
-        </p:nvPicPr>
-        <p:blipFill>
-          <a:blip r:embed="rId4">
-            <a:extLst>
-              <a:ext uri="{28A0092B-C50C-407E-A947-70E740481C1C}">
-                <a14:useLocalDpi xmlns:a14="http://schemas.microsoft.com/office/drawing/2010/main" val="0"/>
-              </a:ext>
-            </a:extLst>
-          </a:blip>
-          <a:stretch>
-            <a:fillRect/>
-          </a:stretch>
-        </p:blipFill>
-        <p:spPr>
-          <a:xfrm>
-            <a:off x="9758543" y="5448639"/>
-            <a:ext cx="2111732" cy="1364900"/>
-          </a:xfrm>
-          <a:prstGeom prst="rect">
-            <a:avLst/>
-          </a:prstGeom>
-        </p:spPr>
-      </p:pic>
-      <p:pic>
-        <p:nvPicPr>
-          <p:cNvPr id="7" name="Picture 6"/>
-          <p:cNvPicPr>
-            <a:picLocks noChangeAspect="1"/>
-          </p:cNvPicPr>
-          <p:nvPr/>
-        </p:nvPicPr>
-        <p:blipFill>
-          <a:blip r:embed="rId5" cstate="hqprint">
-            <a:extLst>
-              <a:ext uri="{28A0092B-C50C-407E-A947-70E740481C1C}">
-                <a14:useLocalDpi xmlns:a14="http://schemas.microsoft.com/office/drawing/2010/main" val="0"/>
-              </a:ext>
-            </a:extLst>
-          </a:blip>
-          <a:stretch>
-            <a:fillRect/>
-          </a:stretch>
-        </p:blipFill>
-        <p:spPr>
-          <a:xfrm>
-            <a:off x="447717" y="5588002"/>
-            <a:ext cx="2784645" cy="1260030"/>
-          </a:xfrm>
-          <a:prstGeom prst="rect">
-            <a:avLst/>
-          </a:prstGeom>
-        </p:spPr>
-      </p:pic>
-    </p:spTree>
-    <p:extLst>
-      <p:ext uri="{BB962C8B-B14F-4D97-AF65-F5344CB8AC3E}">
-        <p14:creationId xmlns:p14="http://schemas.microsoft.com/office/powerpoint/2010/main" val="3172812219"/>
-      </p:ext>
-    </p:extLst>
-  </p:cSld>
-  <p:clrMapOvr>
-    <a:masterClrMapping/>
-  </p:clrMapOvr>
-  <p:timing>
-    <p:tnLst>
-      <p:par>
-        <p:cTn id="1" dur="indefinite" restart="never" nodeType="tmRoot">
-          <p:childTnLst>
-            <p:seq concurrent="1" nextAc="seek">
-              <p:cTn id="2" dur="indefinite" nodeType="mainSeq">
-                <p:childTnLst>
-                  <p:par>
-                    <p:cTn id="3" fill="hold">
-                      <p:stCondLst>
-                        <p:cond delay="indefinite"/>
-                      </p:stCondLst>
-                      <p:childTnLst>
-                        <p:par>
-                          <p:cTn id="4" fill="hold">
-                            <p:stCondLst>
-                              <p:cond delay="0"/>
-                            </p:stCondLst>
-                            <p:childTnLst>
-                              <p:par>
-                                <p:cTn id="5" presetID="1" presetClass="entr" presetSubtype="0" fill="hold" nodeType="clickEffect">
-                                  <p:stCondLst>
-                                    <p:cond delay="0"/>
-                                  </p:stCondLst>
-                                  <p:childTnLst>
-                                    <p:set>
-                                      <p:cBhvr>
-                                        <p:cTn id="6" dur="1" fill="hold">
-                                          <p:stCondLst>
-                                            <p:cond delay="0"/>
-                                          </p:stCondLst>
-                                        </p:cTn>
-                                        <p:tgtEl>
-                                          <p:spTgt spid="3">
-                                            <p:txEl>
-                                              <p:pRg st="0" end="0"/>
-                                            </p:txEl>
-                                          </p:spTgt>
-                                        </p:tgtEl>
-                                        <p:attrNameLst>
-                                          <p:attrName>style.visibility</p:attrName>
-                                        </p:attrNameLst>
-                                      </p:cBhvr>
-                                      <p:to>
-                                        <p:strVal val="visible"/>
-                                      </p:to>
-                                    </p:set>
-                                  </p:childTnLst>
-                                </p:cTn>
-                              </p:par>
-                            </p:childTnLst>
-                          </p:cTn>
-                        </p:par>
-                      </p:childTnLst>
-                    </p:cTn>
-                  </p:par>
-                  <p:par>
-                    <p:cTn id="7" fill="hold">
-                      <p:stCondLst>
-                        <p:cond delay="indefinite"/>
-                      </p:stCondLst>
-                      <p:childTnLst>
-                        <p:par>
-                          <p:cTn id="8" fill="hold">
-                            <p:stCondLst>
-                              <p:cond delay="0"/>
-                            </p:stCondLst>
-                            <p:childTnLst>
-                              <p:par>
-                                <p:cTn id="9" presetID="1" presetClass="entr" presetSubtype="0" fill="hold" nodeType="clickEffect">
-                                  <p:stCondLst>
-                                    <p:cond delay="0"/>
-                                  </p:stCondLst>
-                                  <p:childTnLst>
-                                    <p:set>
-                                      <p:cBhvr>
-                                        <p:cTn id="10" dur="1" fill="hold">
-                                          <p:stCondLst>
-                                            <p:cond delay="0"/>
-                                          </p:stCondLst>
-                                        </p:cTn>
-                                        <p:tgtEl>
-                                          <p:spTgt spid="6"/>
-                                        </p:tgtEl>
-                                        <p:attrNameLst>
-                                          <p:attrName>style.visibility</p:attrName>
-                                        </p:attrNameLst>
-                                      </p:cBhvr>
-                                      <p:to>
-                                        <p:strVal val="visible"/>
-                                      </p:to>
-                                    </p:set>
-                                  </p:childTnLst>
-                                </p:cTn>
-                              </p:par>
-                            </p:childTnLst>
-                          </p:cTn>
-                        </p:par>
-                      </p:childTnLst>
-                    </p:cTn>
-                  </p:par>
-                </p:childTnLst>
-              </p:cTn>
-              <p:prevCondLst>
-                <p:cond evt="onPrev" delay="0">
-                  <p:tgtEl>
-                    <p:sldTgt/>
-                  </p:tgtEl>
-                </p:cond>
-              </p:prevCondLst>
-              <p:nextCondLst>
-                <p:cond evt="onNext" delay="0">
-                  <p:tgtEl>
-                    <p:sldTgt/>
-                  </p:tgtEl>
-                </p:cond>
-              </p:nextCondLst>
-            </p:seq>
-          </p:childTnLst>
-        </p:cTn>
-      </p:par>
-    </p:tnLst>
-  </p:timing>
-</p:sld>
-</file>
-
-<file path=ppt/slides/slide8.xml><?xml version="1.0" encoding="utf-8"?>
-<p:sld xmlns:a="http://schemas.openxmlformats.org/drawingml/2006/main" xmlns:r="http://schemas.openxmlformats.org/officeDocument/2006/relationships" xmlns:p="http://schemas.openxmlformats.org/presentationml/2006/main">
-  <p:cSld>
-    <p:spTree>
-      <p:nvGrpSpPr>
-        <p:cNvPr id="1" name=""/>
-        <p:cNvGrpSpPr/>
-        <p:nvPr/>
-      </p:nvGrpSpPr>
-      <p:grpSpPr>
-        <a:xfrm>
-          <a:off x="0" y="0"/>
-          <a:ext cx="0" cy="0"/>
-          <a:chOff x="0" y="0"/>
-          <a:chExt cx="0" cy="0"/>
-        </a:xfrm>
-      </p:grpSpPr>
-      <p:sp>
-        <p:nvSpPr>
-          <p:cNvPr id="2" name="Title 1"/>
-          <p:cNvSpPr>
-            <a:spLocks noGrp="1"/>
-          </p:cNvSpPr>
-          <p:nvPr>
-            <p:ph type="title"/>
-          </p:nvPr>
-        </p:nvSpPr>
-        <p:spPr/>
-        <p:txBody>
-          <a:bodyPr/>
-          <a:lstStyle/>
-          <a:p>
-            <a:r>
-              <a:rPr lang="en-US" dirty="0"/>
               <a:t>Database Advisor</a:t>
             </a:r>
           </a:p>
@@ -19456,15 +19026,7 @@
             </a:pPr>
             <a:r>
               <a:rPr lang="en-US" dirty="0"/>
-              <a:t>Database Advisor provides recommendations </a:t>
-            </a:r>
-            <a:r>
-              <a:rPr lang="en-US" dirty="0" smtClean="0"/>
-              <a:t>that </a:t>
-            </a:r>
-            <a:r>
-              <a:rPr lang="en-US" dirty="0"/>
-              <a:t>can improve query performance based on impact levels.</a:t>
+              <a:t>Database Advisor provides recommendations that can improve query performance based on impact levels.</a:t>
             </a:r>
           </a:p>
         </p:txBody>
@@ -19768,7 +19330,7 @@
 </p:sld>
 </file>
 
-<file path=ppt/slides/slide9.xml><?xml version="1.0" encoding="utf-8"?>
+<file path=ppt/slides/slide8.xml><?xml version="1.0" encoding="utf-8"?>
 <p:sld xmlns:a="http://schemas.openxmlformats.org/drawingml/2006/main" xmlns:r="http://schemas.openxmlformats.org/officeDocument/2006/relationships" xmlns:p="http://schemas.openxmlformats.org/presentationml/2006/main">
   <p:cSld>
     <p:spTree>
@@ -20042,15 +19604,7 @@
             </a:pPr>
             <a:r>
               <a:rPr lang="en-US" dirty="0"/>
-              <a:t>Azure SQL </a:t>
-            </a:r>
-            <a:r>
-              <a:rPr lang="en-US" dirty="0" smtClean="0"/>
-              <a:t>Database ships </a:t>
-            </a:r>
-            <a:r>
-              <a:rPr lang="en-US" dirty="0"/>
-              <a:t>with </a:t>
+              <a:t>Azure SQL Database ships with </a:t>
             </a:r>
             <a:r>
               <a:rPr lang="en-US" b="1" dirty="0"/>
@@ -20392,6 +19946,401 @@
       </p:par>
     </p:tnLst>
   </p:timing>
+</p:sld>
+</file>
+
+<file path=ppt/slides/slide9.xml><?xml version="1.0" encoding="utf-8"?>
+<p:sld xmlns:a="http://schemas.openxmlformats.org/drawingml/2006/main" xmlns:r="http://schemas.openxmlformats.org/officeDocument/2006/relationships" xmlns:p="http://schemas.openxmlformats.org/presentationml/2006/main">
+  <p:cSld>
+    <p:spTree>
+      <p:nvGrpSpPr>
+        <p:cNvPr id="1" name=""/>
+        <p:cNvGrpSpPr/>
+        <p:nvPr/>
+      </p:nvGrpSpPr>
+      <p:grpSpPr>
+        <a:xfrm>
+          <a:off x="0" y="0"/>
+          <a:ext cx="0" cy="0"/>
+          <a:chOff x="0" y="0"/>
+          <a:chExt cx="0" cy="0"/>
+        </a:xfrm>
+      </p:grpSpPr>
+      <p:sp>
+        <p:nvSpPr>
+          <p:cNvPr id="2" name="Title 1"/>
+          <p:cNvSpPr>
+            <a:spLocks noGrp="1"/>
+          </p:cNvSpPr>
+          <p:nvPr>
+            <p:ph type="title"/>
+          </p:nvPr>
+        </p:nvSpPr>
+        <p:spPr/>
+        <p:txBody>
+          <a:bodyPr/>
+          <a:lstStyle/>
+          <a:p>
+            <a:r>
+              <a:rPr lang="en-US" dirty="0"/>
+              <a:t>Dynamic Data Masking</a:t>
+            </a:r>
+          </a:p>
+        </p:txBody>
+      </p:sp>
+      <p:sp>
+        <p:nvSpPr>
+          <p:cNvPr id="3" name="Content Placeholder 2"/>
+          <p:cNvSpPr>
+            <a:spLocks noGrp="1"/>
+          </p:cNvSpPr>
+          <p:nvPr>
+            <p:ph idx="1"/>
+          </p:nvPr>
+        </p:nvSpPr>
+        <p:spPr>
+          <a:xfrm>
+            <a:off x="774946" y="2492829"/>
+            <a:ext cx="4989845" cy="3273472"/>
+          </a:xfrm>
+        </p:spPr>
+        <p:txBody>
+          <a:bodyPr>
+            <a:normAutofit/>
+          </a:bodyPr>
+          <a:lstStyle/>
+          <a:p>
+            <a:pPr marL="687388" indent="-342900"/>
+            <a:r>
+              <a:rPr lang="en-US" sz="2400" dirty="0"/>
+              <a:t>Created and managed:</a:t>
+            </a:r>
+          </a:p>
+          <a:p>
+            <a:pPr marL="1144588" lvl="1" indent="-342900"/>
+            <a:r>
+              <a:rPr lang="en-US" dirty="0"/>
+              <a:t>In the Azure Portal</a:t>
+            </a:r>
+          </a:p>
+          <a:p>
+            <a:pPr marL="1144588" lvl="1" indent="-342900"/>
+            <a:r>
+              <a:rPr lang="en-US" dirty="0"/>
+              <a:t>Programmatically via SDKs and services</a:t>
+            </a:r>
+          </a:p>
+          <a:p>
+            <a:pPr marL="1144588" lvl="1" indent="-342900"/>
+            <a:r>
+              <a:rPr lang="en-US" dirty="0"/>
+              <a:t>Scripting and T-SQL commands</a:t>
+            </a:r>
+          </a:p>
+          <a:p>
+            <a:pPr marL="687388" indent="-342900"/>
+            <a:r>
+              <a:rPr lang="en-US" sz="2400" dirty="0"/>
+              <a:t>Based on masking rules and masking functions</a:t>
+            </a:r>
+          </a:p>
+        </p:txBody>
+      </p:sp>
+      <p:sp>
+        <p:nvSpPr>
+          <p:cNvPr id="5" name="Content Placeholder 2"/>
+          <p:cNvSpPr txBox="1">
+            <a:spLocks/>
+          </p:cNvSpPr>
+          <p:nvPr/>
+        </p:nvSpPr>
+        <p:spPr>
+          <a:xfrm>
+            <a:off x="838199" y="1546271"/>
+            <a:ext cx="10255180" cy="987510"/>
+          </a:xfrm>
+          <a:prstGeom prst="rect">
+            <a:avLst/>
+          </a:prstGeom>
+        </p:spPr>
+        <p:txBody>
+          <a:bodyPr vert="horz" lIns="91440" tIns="45720" rIns="91440" bIns="45720" rtlCol="0">
+            <a:normAutofit/>
+          </a:bodyPr>
+          <a:lstStyle>
+            <a:lvl1pPr marL="228600" indent="-228600" algn="l" defTabSz="914400" rtl="0" eaLnBrk="1" latinLnBrk="0" hangingPunct="1">
+              <a:lnSpc>
+                <a:spcPct val="90000"/>
+              </a:lnSpc>
+              <a:spcBef>
+                <a:spcPts val="1000"/>
+              </a:spcBef>
+              <a:buFont typeface="Arial" panose="020B0604020202020204" pitchFamily="34" charset="0"/>
+              <a:buChar char="•"/>
+              <a:defRPr sz="2800" kern="1200">
+                <a:solidFill>
+                  <a:schemeClr val="tx1"/>
+                </a:solidFill>
+                <a:latin typeface="+mn-lt"/>
+                <a:ea typeface="+mn-ea"/>
+                <a:cs typeface="+mn-cs"/>
+              </a:defRPr>
+            </a:lvl1pPr>
+            <a:lvl2pPr marL="685800" indent="-228600" algn="l" defTabSz="914400" rtl="0" eaLnBrk="1" latinLnBrk="0" hangingPunct="1">
+              <a:lnSpc>
+                <a:spcPct val="90000"/>
+              </a:lnSpc>
+              <a:spcBef>
+                <a:spcPts val="500"/>
+              </a:spcBef>
+              <a:buFont typeface="Arial" panose="020B0604020202020204" pitchFamily="34" charset="0"/>
+              <a:buChar char="•"/>
+              <a:defRPr sz="2400" kern="1200">
+                <a:solidFill>
+                  <a:schemeClr val="tx1"/>
+                </a:solidFill>
+                <a:latin typeface="+mn-lt"/>
+                <a:ea typeface="+mn-ea"/>
+                <a:cs typeface="+mn-cs"/>
+              </a:defRPr>
+            </a:lvl2pPr>
+            <a:lvl3pPr marL="1143000" indent="-228600" algn="l" defTabSz="914400" rtl="0" eaLnBrk="1" latinLnBrk="0" hangingPunct="1">
+              <a:lnSpc>
+                <a:spcPct val="90000"/>
+              </a:lnSpc>
+              <a:spcBef>
+                <a:spcPts val="500"/>
+              </a:spcBef>
+              <a:buFont typeface="Arial" panose="020B0604020202020204" pitchFamily="34" charset="0"/>
+              <a:buChar char="•"/>
+              <a:defRPr sz="2000" kern="1200">
+                <a:solidFill>
+                  <a:schemeClr val="tx1"/>
+                </a:solidFill>
+                <a:latin typeface="+mn-lt"/>
+                <a:ea typeface="+mn-ea"/>
+                <a:cs typeface="+mn-cs"/>
+              </a:defRPr>
+            </a:lvl3pPr>
+            <a:lvl4pPr marL="1600200" indent="-228600" algn="l" defTabSz="914400" rtl="0" eaLnBrk="1" latinLnBrk="0" hangingPunct="1">
+              <a:lnSpc>
+                <a:spcPct val="90000"/>
+              </a:lnSpc>
+              <a:spcBef>
+                <a:spcPts val="500"/>
+              </a:spcBef>
+              <a:buFont typeface="Arial" panose="020B0604020202020204" pitchFamily="34" charset="0"/>
+              <a:buChar char="•"/>
+              <a:defRPr sz="1800" kern="1200">
+                <a:solidFill>
+                  <a:schemeClr val="tx1"/>
+                </a:solidFill>
+                <a:latin typeface="+mn-lt"/>
+                <a:ea typeface="+mn-ea"/>
+                <a:cs typeface="+mn-cs"/>
+              </a:defRPr>
+            </a:lvl4pPr>
+            <a:lvl5pPr marL="2057400" indent="-228600" algn="l" defTabSz="914400" rtl="0" eaLnBrk="1" latinLnBrk="0" hangingPunct="1">
+              <a:lnSpc>
+                <a:spcPct val="90000"/>
+              </a:lnSpc>
+              <a:spcBef>
+                <a:spcPts val="500"/>
+              </a:spcBef>
+              <a:buFont typeface="Arial" panose="020B0604020202020204" pitchFamily="34" charset="0"/>
+              <a:buChar char="•"/>
+              <a:defRPr sz="1800" kern="1200">
+                <a:solidFill>
+                  <a:schemeClr val="tx1"/>
+                </a:solidFill>
+                <a:latin typeface="+mn-lt"/>
+                <a:ea typeface="+mn-ea"/>
+                <a:cs typeface="+mn-cs"/>
+              </a:defRPr>
+            </a:lvl5pPr>
+            <a:lvl6pPr marL="2514600" indent="-228600" algn="l" defTabSz="914400" rtl="0" eaLnBrk="1" latinLnBrk="0" hangingPunct="1">
+              <a:lnSpc>
+                <a:spcPct val="90000"/>
+              </a:lnSpc>
+              <a:spcBef>
+                <a:spcPts val="500"/>
+              </a:spcBef>
+              <a:buFont typeface="Arial" panose="020B0604020202020204" pitchFamily="34" charset="0"/>
+              <a:buChar char="•"/>
+              <a:defRPr sz="1800" kern="1200">
+                <a:solidFill>
+                  <a:schemeClr val="tx1"/>
+                </a:solidFill>
+                <a:latin typeface="+mn-lt"/>
+                <a:ea typeface="+mn-ea"/>
+                <a:cs typeface="+mn-cs"/>
+              </a:defRPr>
+            </a:lvl6pPr>
+            <a:lvl7pPr marL="2971800" indent="-228600" algn="l" defTabSz="914400" rtl="0" eaLnBrk="1" latinLnBrk="0" hangingPunct="1">
+              <a:lnSpc>
+                <a:spcPct val="90000"/>
+              </a:lnSpc>
+              <a:spcBef>
+                <a:spcPts val="500"/>
+              </a:spcBef>
+              <a:buFont typeface="Arial" panose="020B0604020202020204" pitchFamily="34" charset="0"/>
+              <a:buChar char="•"/>
+              <a:defRPr sz="1800" kern="1200">
+                <a:solidFill>
+                  <a:schemeClr val="tx1"/>
+                </a:solidFill>
+                <a:latin typeface="+mn-lt"/>
+                <a:ea typeface="+mn-ea"/>
+                <a:cs typeface="+mn-cs"/>
+              </a:defRPr>
+            </a:lvl7pPr>
+            <a:lvl8pPr marL="3429000" indent="-228600" algn="l" defTabSz="914400" rtl="0" eaLnBrk="1" latinLnBrk="0" hangingPunct="1">
+              <a:lnSpc>
+                <a:spcPct val="90000"/>
+              </a:lnSpc>
+              <a:spcBef>
+                <a:spcPts val="500"/>
+              </a:spcBef>
+              <a:buFont typeface="Arial" panose="020B0604020202020204" pitchFamily="34" charset="0"/>
+              <a:buChar char="•"/>
+              <a:defRPr sz="1800" kern="1200">
+                <a:solidFill>
+                  <a:schemeClr val="tx1"/>
+                </a:solidFill>
+                <a:latin typeface="+mn-lt"/>
+                <a:ea typeface="+mn-ea"/>
+                <a:cs typeface="+mn-cs"/>
+              </a:defRPr>
+            </a:lvl8pPr>
+            <a:lvl9pPr marL="3886200" indent="-228600" algn="l" defTabSz="914400" rtl="0" eaLnBrk="1" latinLnBrk="0" hangingPunct="1">
+              <a:lnSpc>
+                <a:spcPct val="90000"/>
+              </a:lnSpc>
+              <a:spcBef>
+                <a:spcPts val="500"/>
+              </a:spcBef>
+              <a:buFont typeface="Arial" panose="020B0604020202020204" pitchFamily="34" charset="0"/>
+              <a:buChar char="•"/>
+              <a:defRPr sz="1800" kern="1200">
+                <a:solidFill>
+                  <a:schemeClr val="tx1"/>
+                </a:solidFill>
+                <a:latin typeface="+mn-lt"/>
+                <a:ea typeface="+mn-ea"/>
+                <a:cs typeface="+mn-cs"/>
+              </a:defRPr>
+            </a:lvl9pPr>
+          </a:lstStyle>
+          <a:p>
+            <a:pPr marL="0" indent="0">
+              <a:buNone/>
+            </a:pPr>
+            <a:r>
+              <a:rPr lang="en-US" sz="2400" dirty="0"/>
+              <a:t>Dynamic data masking prevents unauthorized access to sensitive data by “masking” fields based on roles or permissions.</a:t>
+            </a:r>
+          </a:p>
+        </p:txBody>
+      </p:sp>
+      <p:pic>
+        <p:nvPicPr>
+          <p:cNvPr id="8" name="Picture 7"/>
+          <p:cNvPicPr>
+            <a:picLocks noChangeAspect="1"/>
+          </p:cNvPicPr>
+          <p:nvPr/>
+        </p:nvPicPr>
+        <p:blipFill>
+          <a:blip r:embed="rId3"/>
+          <a:stretch>
+            <a:fillRect/>
+          </a:stretch>
+        </p:blipFill>
+        <p:spPr>
+          <a:xfrm>
+            <a:off x="6527654" y="2533781"/>
+            <a:ext cx="3230889" cy="2911916"/>
+          </a:xfrm>
+          <a:prstGeom prst="rect">
+            <a:avLst/>
+          </a:prstGeom>
+          <a:ln>
+            <a:solidFill>
+              <a:srgbClr val="212121"/>
+            </a:solidFill>
+          </a:ln>
+        </p:spPr>
+      </p:pic>
+      <p:pic>
+        <p:nvPicPr>
+          <p:cNvPr id="6" name="Picture 5"/>
+          <p:cNvPicPr>
+            <a:picLocks noChangeAspect="1"/>
+          </p:cNvPicPr>
+          <p:nvPr/>
+        </p:nvPicPr>
+        <p:blipFill>
+          <a:blip r:embed="rId4">
+            <a:extLst>
+              <a:ext uri="{28A0092B-C50C-407E-A947-70E740481C1C}">
+                <a14:useLocalDpi xmlns:a14="http://schemas.microsoft.com/office/drawing/2010/main" val="0"/>
+              </a:ext>
+            </a:extLst>
+          </a:blip>
+          <a:stretch>
+            <a:fillRect/>
+          </a:stretch>
+        </p:blipFill>
+        <p:spPr>
+          <a:xfrm>
+            <a:off x="9758543" y="5448639"/>
+            <a:ext cx="2111732" cy="1364900"/>
+          </a:xfrm>
+          <a:prstGeom prst="rect">
+            <a:avLst/>
+          </a:prstGeom>
+        </p:spPr>
+      </p:pic>
+      <p:pic>
+        <p:nvPicPr>
+          <p:cNvPr id="7" name="Picture 6"/>
+          <p:cNvPicPr>
+            <a:picLocks noChangeAspect="1"/>
+          </p:cNvPicPr>
+          <p:nvPr/>
+        </p:nvPicPr>
+        <p:blipFill>
+          <a:blip r:embed="rId5" cstate="hqprint">
+            <a:extLst>
+              <a:ext uri="{28A0092B-C50C-407E-A947-70E740481C1C}">
+                <a14:useLocalDpi xmlns:a14="http://schemas.microsoft.com/office/drawing/2010/main" val="0"/>
+              </a:ext>
+            </a:extLst>
+          </a:blip>
+          <a:stretch>
+            <a:fillRect/>
+          </a:stretch>
+        </p:blipFill>
+        <p:spPr>
+          <a:xfrm>
+            <a:off x="447717" y="5588002"/>
+            <a:ext cx="2784645" cy="1260030"/>
+          </a:xfrm>
+          <a:prstGeom prst="rect">
+            <a:avLst/>
+          </a:prstGeom>
+        </p:spPr>
+      </p:pic>
+    </p:spTree>
+    <p:extLst>
+      <p:ext uri="{BB962C8B-B14F-4D97-AF65-F5344CB8AC3E}">
+        <p14:creationId xmlns:p14="http://schemas.microsoft.com/office/powerpoint/2010/main" val="2442233582"/>
+      </p:ext>
+    </p:extLst>
+  </p:cSld>
+  <p:clrMapOvr>
+    <a:masterClrMapping/>
+  </p:clrMapOvr>
 </p:sld>
 </file>
 
